--- a/Project_Interview/15주차-최종발표자료.pptx
+++ b/Project_Interview/15주차-최종발표자료.pptx
@@ -2418,7 +2418,7 @@
         </p:nvSpPr>
         <p:spPr>
           <a:xfrm>
-            <a:off x="569357" y="3406914"/>
+            <a:off x="569357" y="3542116"/>
             <a:ext cx="5155581" cy="1323439"/>
           </a:xfrm>
           <a:prstGeom prst="rect">
@@ -2451,11 +2451,109 @@
             </a:r>
             <a:r>
               <a:rPr lang="ko-KR" altLang="en-US" sz="2000"/>
-              <a:t>사이드바로서 동작하며 진행중이거나 완료된 면접 채팅방을 각각 표시하고 해당 채팅방으로 이동하기 위해 활용</a:t>
+              <a:t>사이드바로서 동작하며 진행중이거나 완료된 면접 채팅방을 각각 표시하고 해당 채팅방으로의 이동과 삭제를 위해 활용</a:t>
             </a:r>
           </a:p>
         </p:txBody>
       </p:sp>
+      <p:sp>
+        <p:nvSpPr>
+          <p:cNvPr id="5" name="TextBox 4">
+            <a:extLst>
+              <a:ext uri="{FF2B5EF4-FFF2-40B4-BE49-F238E27FC236}">
+                <a16:creationId xmlns:a16="http://schemas.microsoft.com/office/drawing/2014/main" id="{6BE6D30A-C4BB-931D-4A2E-CD6623C0BB09}"/>
+              </a:ext>
+            </a:extLst>
+          </p:cNvPr>
+          <p:cNvSpPr txBox="1"/>
+          <p:nvPr/>
+        </p:nvSpPr>
+        <p:spPr>
+          <a:xfrm>
+            <a:off x="6957391" y="1430149"/>
+            <a:ext cx="5155581" cy="1938992"/>
+          </a:xfrm>
+          <a:prstGeom prst="rect">
+            <a:avLst/>
+          </a:prstGeom>
+          <a:noFill/>
+        </p:spPr>
+        <p:txBody>
+          <a:bodyPr wrap="square">
+            <a:spAutoFit/>
+          </a:bodyPr>
+          <a:lstStyle/>
+          <a:p>
+            <a:pPr fontAlgn="base" latinLnBrk="0"/>
+            <a:r>
+              <a:rPr lang="ko-KR" altLang="en-US" sz="2000"/>
+              <a:t>채팅방 생성</a:t>
+            </a:r>
+            <a:r>
+              <a:rPr lang="en-US" altLang="ko-KR" sz="2000"/>
+              <a:t>: </a:t>
+            </a:r>
+            <a:r>
+              <a:rPr lang="ko-KR" altLang="en-US" sz="2000"/>
+              <a:t>카드 자식 위젯에서 생성 가능 메인 화면 부모 위젯과의 양방향 통신을 위해 자식 위젯의 생성자 파라미터로 부모 상태를 자식 위젯의 </a:t>
+            </a:r>
+            <a:r>
+              <a:rPr lang="en-US" altLang="ko-KR" sz="2000"/>
+              <a:t>UI</a:t>
+            </a:r>
+            <a:r>
+              <a:rPr lang="ko-KR" altLang="en-US" sz="2000"/>
+              <a:t>에 반영 </a:t>
+            </a:r>
+            <a:endParaRPr lang="en-US" altLang="ko-KR" sz="2000"/>
+          </a:p>
+          <a:p>
+            <a:pPr fontAlgn="base" latinLnBrk="0"/>
+            <a:r>
+              <a:rPr lang="ko-KR" altLang="en-US" sz="2000"/>
+              <a:t>자식 위젯의 버튼 클릭 이벤트를 부모에게 알리기 위해 </a:t>
+            </a:r>
+            <a:r>
+              <a:rPr lang="en-US" altLang="ko-KR" sz="2000"/>
+              <a:t>VoidCallback </a:t>
+            </a:r>
+            <a:r>
+              <a:rPr lang="ko-KR" altLang="en-US" sz="2000"/>
+              <a:t>타입의 함수를 활용</a:t>
+            </a:r>
+          </a:p>
+        </p:txBody>
+      </p:sp>
+      <p:pic>
+        <p:nvPicPr>
+          <p:cNvPr id="7" name="그림 6">
+            <a:extLst>
+              <a:ext uri="{FF2B5EF4-FFF2-40B4-BE49-F238E27FC236}">
+                <a16:creationId xmlns:a16="http://schemas.microsoft.com/office/drawing/2014/main" id="{8989C87C-9772-F443-89D0-1554C27ED6F4}"/>
+              </a:ext>
+            </a:extLst>
+          </p:cNvPr>
+          <p:cNvPicPr>
+            <a:picLocks noChangeAspect="1"/>
+          </p:cNvPicPr>
+          <p:nvPr/>
+        </p:nvPicPr>
+        <p:blipFill>
+          <a:blip r:embed="rId3"/>
+          <a:stretch>
+            <a:fillRect/>
+          </a:stretch>
+        </p:blipFill>
+        <p:spPr>
+          <a:xfrm>
+            <a:off x="7046843" y="3818697"/>
+            <a:ext cx="4324350" cy="3752850"/>
+          </a:xfrm>
+          <a:prstGeom prst="rect">
+            <a:avLst/>
+          </a:prstGeom>
+        </p:spPr>
+      </p:pic>
     </p:spTree>
     <p:extLst>
       <p:ext uri="{BB962C8B-B14F-4D97-AF65-F5344CB8AC3E}">
@@ -2690,7 +2788,7 @@
         </p:nvSpPr>
         <p:spPr>
           <a:xfrm>
-            <a:off x="472470" y="5620439"/>
+            <a:off x="7638583" y="2784590"/>
             <a:ext cx="5155581" cy="1631216"/>
           </a:xfrm>
           <a:prstGeom prst="rect">
@@ -2728,6 +2826,66 @@
           </a:p>
         </p:txBody>
       </p:sp>
+      <p:pic>
+        <p:nvPicPr>
+          <p:cNvPr id="6" name="그림 5">
+            <a:extLst>
+              <a:ext uri="{FF2B5EF4-FFF2-40B4-BE49-F238E27FC236}">
+                <a16:creationId xmlns:a16="http://schemas.microsoft.com/office/drawing/2014/main" id="{6B1631D1-3C0A-83CC-FF08-8C4D792B2E9B}"/>
+              </a:ext>
+            </a:extLst>
+          </p:cNvPr>
+          <p:cNvPicPr>
+            <a:picLocks noChangeAspect="1"/>
+          </p:cNvPicPr>
+          <p:nvPr/>
+        </p:nvPicPr>
+        <p:blipFill>
+          <a:blip r:embed="rId3"/>
+          <a:stretch>
+            <a:fillRect/>
+          </a:stretch>
+        </p:blipFill>
+        <p:spPr>
+          <a:xfrm>
+            <a:off x="393374" y="4750884"/>
+            <a:ext cx="2656888" cy="1400175"/>
+          </a:xfrm>
+          <a:prstGeom prst="rect">
+            <a:avLst/>
+          </a:prstGeom>
+        </p:spPr>
+      </p:pic>
+      <p:pic>
+        <p:nvPicPr>
+          <p:cNvPr id="13" name="그림 12">
+            <a:extLst>
+              <a:ext uri="{FF2B5EF4-FFF2-40B4-BE49-F238E27FC236}">
+                <a16:creationId xmlns:a16="http://schemas.microsoft.com/office/drawing/2014/main" id="{0C8E8256-8B8E-FE1E-5064-A43953CB76F8}"/>
+              </a:ext>
+            </a:extLst>
+          </p:cNvPr>
+          <p:cNvPicPr>
+            <a:picLocks noChangeAspect="1"/>
+          </p:cNvPicPr>
+          <p:nvPr/>
+        </p:nvPicPr>
+        <p:blipFill>
+          <a:blip r:embed="rId4"/>
+          <a:stretch>
+            <a:fillRect/>
+          </a:stretch>
+        </p:blipFill>
+        <p:spPr>
+          <a:xfrm>
+            <a:off x="569357" y="6381988"/>
+            <a:ext cx="5867400" cy="1400175"/>
+          </a:xfrm>
+          <a:prstGeom prst="rect">
+            <a:avLst/>
+          </a:prstGeom>
+        </p:spPr>
+      </p:pic>
     </p:spTree>
     <p:extLst>
       <p:ext uri="{BB962C8B-B14F-4D97-AF65-F5344CB8AC3E}">
@@ -2812,11 +2970,11 @@
       </p:sp>
       <p:pic>
         <p:nvPicPr>
-          <p:cNvPr id="3" name="localhost_51256 - Chrome 2025-06-22 21-46-02">
+          <p:cNvPr id="4" name="localhost_57194 - Chrome 2025-06-23 02-59-28">
             <a:hlinkClick r:id="" action="ppaction://media"/>
             <a:extLst>
               <a:ext uri="{FF2B5EF4-FFF2-40B4-BE49-F238E27FC236}">
-                <a16:creationId xmlns:a16="http://schemas.microsoft.com/office/drawing/2014/main" id="{34259869-AE9D-A074-4DD5-2658B049976F}"/>
+                <a16:creationId xmlns:a16="http://schemas.microsoft.com/office/drawing/2014/main" id="{964875FA-9162-068F-12DC-A730CB301F56}"/>
               </a:ext>
             </a:extLst>
           </p:cNvPr>
@@ -2840,8 +2998,8 @@
         </p:blipFill>
         <p:spPr>
           <a:xfrm>
-            <a:off x="1320647" y="1321905"/>
-            <a:ext cx="11192718" cy="6669156"/>
+            <a:off x="1146651" y="1488895"/>
+            <a:ext cx="12197949" cy="6084723"/>
           </a:xfrm>
           <a:prstGeom prst="rect">
             <a:avLst/>
@@ -2886,9 +3044,9 @@
                                   <p:childTnLst>
                                     <p:cmd type="call" cmd="playFrom(0.0)">
                                       <p:cBhvr>
-                                        <p:cTn id="6" dur="72091" fill="hold"/>
+                                        <p:cTn id="6" dur="53464" fill="hold"/>
                                         <p:tgtEl>
-                                          <p:spTgt spid="3"/>
+                                          <p:spTgt spid="4"/>
                                         </p:tgtEl>
                                       </p:cBhvr>
                                     </p:cmd>
@@ -2926,7 +3084,7 @@
                   </p:stCondLst>
                 </p:cTn>
                 <p:tgtEl>
-                  <p:spTgt spid="3"/>
+                  <p:spTgt spid="4"/>
                 </p:tgtEl>
               </p:cMediaNode>
             </p:video>
@@ -2935,7 +3093,7 @@
                 <p:stCondLst>
                   <p:cond evt="onClick" delay="0">
                     <p:tgtEl>
-                      <p:spTgt spid="3"/>
+                      <p:spTgt spid="4"/>
                     </p:tgtEl>
                   </p:cond>
                 </p:stCondLst>
@@ -2965,7 +3123,7 @@
                                       <p:cBhvr>
                                         <p:cTn id="12" dur="1" fill="hold"/>
                                         <p:tgtEl>
-                                          <p:spTgt spid="3"/>
+                                          <p:spTgt spid="4"/>
                                         </p:tgtEl>
                                       </p:cBhvr>
                                     </p:cmd>
@@ -2983,7 +3141,7 @@
               <p:nextCondLst>
                 <p:cond evt="onClick" delay="0">
                   <p:tgtEl>
-                    <p:spTgt spid="3"/>
+                    <p:spTgt spid="4"/>
                   </p:tgtEl>
                 </p:cond>
               </p:nextCondLst>
@@ -3487,7 +3645,7 @@
                 <a:ea typeface="Roboto" pitchFamily="34" charset="-122"/>
                 <a:cs typeface="Roboto" pitchFamily="34" charset="-120"/>
               </a:rPr>
-              <a:t>,  </a:t>
+              <a:t>, </a:t>
             </a:r>
             <a:r>
               <a:rPr lang="ko-KR" altLang="en-US" sz="1550">
@@ -6509,7 +6667,7 @@
         </p:nvSpPr>
         <p:spPr>
           <a:xfrm>
-            <a:off x="569357" y="3046071"/>
+            <a:off x="569357" y="2101854"/>
             <a:ext cx="2480905" cy="310158"/>
           </a:xfrm>
           <a:prstGeom prst="rect">
@@ -6565,7 +6723,7 @@
         </p:nvSpPr>
         <p:spPr>
           <a:xfrm>
-            <a:off x="460027" y="3760857"/>
+            <a:off x="460027" y="2816640"/>
             <a:ext cx="7315200" cy="707886"/>
           </a:xfrm>
           <a:prstGeom prst="rect">
@@ -6586,7 +6744,15 @@
             </a:r>
             <a:r>
               <a:rPr lang="ko-KR" altLang="en-US" sz="2000"/>
-              <a:t>를 사용해 로컬 데이터베이스에 사용자 정보와 채팅방 정보</a:t>
+              <a:t>를 사용해 로컬 </a:t>
+            </a:r>
+            <a:r>
+              <a:rPr lang="en-US" altLang="ko-KR" sz="2000"/>
+              <a:t>DB</a:t>
+            </a:r>
+            <a:r>
+              <a:rPr lang="ko-KR" altLang="en-US" sz="2000"/>
+              <a:t>에 사용자 정보와 채팅방 정보</a:t>
             </a:r>
             <a:r>
               <a:rPr lang="en-US" altLang="ko-KR" sz="2000"/>
@@ -6602,7 +6768,7 @@
             </a:r>
             <a:r>
               <a:rPr lang="ko-KR" altLang="en-US" sz="2000"/>
-              <a:t>작업을 구현</a:t>
+              <a:t>기능을 구현</a:t>
             </a:r>
           </a:p>
         </p:txBody>
@@ -6621,7 +6787,7 @@
         </p:nvSpPr>
         <p:spPr>
           <a:xfrm>
-            <a:off x="7901122" y="3046071"/>
+            <a:off x="7901122" y="2071333"/>
             <a:ext cx="2480905" cy="310158"/>
           </a:xfrm>
           <a:prstGeom prst="rect">
@@ -6695,8 +6861,8 @@
         </p:nvSpPr>
         <p:spPr>
           <a:xfrm>
-            <a:off x="7775227" y="3760857"/>
-            <a:ext cx="7315200" cy="1323439"/>
+            <a:off x="7775227" y="2786119"/>
+            <a:ext cx="7315200" cy="1631216"/>
           </a:xfrm>
           <a:prstGeom prst="rect">
             <a:avLst/>
@@ -6732,7 +6898,14 @@
             </a:r>
             <a:r>
               <a:rPr lang="en-US" altLang="ko-KR" sz="2000"/>
-              <a:t> SharedPreferences</a:t>
+              <a:t> </a:t>
+            </a:r>
+          </a:p>
+          <a:p>
+            <a:pPr fontAlgn="base" latinLnBrk="0"/>
+            <a:r>
+              <a:rPr lang="en-US" altLang="ko-KR" sz="2000"/>
+              <a:t>SharedPreferences</a:t>
             </a:r>
             <a:r>
               <a:rPr lang="ko-KR" altLang="en-US" sz="2000"/>
@@ -6856,7 +7029,7 @@
         </p:nvSpPr>
         <p:spPr>
           <a:xfrm>
-            <a:off x="569357" y="3115645"/>
+            <a:off x="569357" y="2449723"/>
             <a:ext cx="2480905" cy="310158"/>
           </a:xfrm>
           <a:prstGeom prst="rect">
@@ -6930,8 +7103,8 @@
         </p:nvSpPr>
         <p:spPr>
           <a:xfrm>
-            <a:off x="460027" y="3830431"/>
-            <a:ext cx="7315200" cy="1015663"/>
+            <a:off x="350696" y="3136968"/>
+            <a:ext cx="6517243" cy="1015663"/>
           </a:xfrm>
           <a:prstGeom prst="rect">
             <a:avLst/>
@@ -6981,13 +7154,13 @@
           </a:p>
           <a:p>
             <a:pPr fontAlgn="base" latinLnBrk="0"/>
-            <a:endParaRPr lang="en-US" altLang="ko-KR" sz="2000"/>
-          </a:p>
-          <a:p>
-            <a:pPr fontAlgn="base" latinLnBrk="0"/>
+            <a:r>
+              <a:rPr lang="en-US" altLang="ko-KR" sz="2000"/>
+              <a:t>AI</a:t>
+            </a:r>
             <a:r>
               <a:rPr lang="ko-KR" altLang="en-US" sz="2000"/>
-              <a:t>비동기 처리를 위해 </a:t>
+              <a:t>가 답변을 생성하는 과정을 비동기 처리를 위해 </a:t>
             </a:r>
             <a:r>
               <a:rPr lang="en-US" altLang="ko-KR" sz="2000"/>
@@ -7032,6 +7205,36 @@
           <a:xfrm>
             <a:off x="7044359" y="1111228"/>
             <a:ext cx="5829300" cy="6000750"/>
+          </a:xfrm>
+          <a:prstGeom prst="rect">
+            <a:avLst/>
+          </a:prstGeom>
+        </p:spPr>
+      </p:pic>
+      <p:pic>
+        <p:nvPicPr>
+          <p:cNvPr id="7" name="그림 6">
+            <a:extLst>
+              <a:ext uri="{FF2B5EF4-FFF2-40B4-BE49-F238E27FC236}">
+                <a16:creationId xmlns:a16="http://schemas.microsoft.com/office/drawing/2014/main" id="{DED566B7-CA5B-82CA-A0B5-1F514EDFE3B0}"/>
+              </a:ext>
+            </a:extLst>
+          </p:cNvPr>
+          <p:cNvPicPr>
+            <a:picLocks noChangeAspect="1"/>
+          </p:cNvPicPr>
+          <p:nvPr/>
+        </p:nvPicPr>
+        <p:blipFill>
+          <a:blip r:embed="rId4"/>
+          <a:stretch>
+            <a:fillRect/>
+          </a:stretch>
+        </p:blipFill>
+        <p:spPr>
+          <a:xfrm>
+            <a:off x="569357" y="4584800"/>
+            <a:ext cx="5267947" cy="1552575"/>
           </a:xfrm>
           <a:prstGeom prst="rect">
             <a:avLst/>
